--- a/前端工程化/JavaScript/JavaScript 里有趣的几个原理性知识.pptx
+++ b/前端工程化/JavaScript/JavaScript 里有趣的几个原理性知识.pptx
@@ -5,7 +5,7 @@
     <p:sldMasterId id="2147483648" r:id="rId1"/>
   </p:sldMasterIdLst>
   <p:notesMasterIdLst>
-    <p:notesMasterId r:id="rId13"/>
+    <p:notesMasterId r:id="rId14"/>
   </p:notesMasterIdLst>
   <p:sldIdLst>
     <p:sldId id="256" r:id="rId2"/>
@@ -18,7 +18,8 @@
     <p:sldId id="318" r:id="rId9"/>
     <p:sldId id="319" r:id="rId10"/>
     <p:sldId id="320" r:id="rId11"/>
-    <p:sldId id="260" r:id="rId12"/>
+    <p:sldId id="321" r:id="rId12"/>
+    <p:sldId id="260" r:id="rId13"/>
   </p:sldIdLst>
   <p:sldSz cx="9144000" cy="6858000" type="screen4x3"/>
   <p:notesSz cx="6858000" cy="9144000"/>
@@ -136,6 +137,7 @@
             <p14:sldId id="318"/>
             <p14:sldId id="319"/>
             <p14:sldId id="320"/>
+            <p14:sldId id="321"/>
             <p14:sldId id="260"/>
           </p14:sldIdLst>
         </p14:section>
@@ -164,11 +166,7 @@
   <p:cmAuthor id="0" name="gaoyushi" initials="gaoyushi" lastIdx="7" clrIdx="0"/>
   <p:cmAuthor id="1" name="liangdong03" initials="l" lastIdx="2" clrIdx="1"/>
   <p:cmAuthor id="2" name="Chen,Xiaolong(BNRD-C)" initials="C" lastIdx="1" clrIdx="2">
-    <p:extLst>
-      <p:ext uri="{19B8F6BF-5375-455C-9EA6-DF929625EA0E}">
-        <p15:presenceInfo xmlns:p15="http://schemas.microsoft.com/office/powerpoint/2012/main" userId="S-1-5-21-3689171631-189274284-2341753515-357396" providerId="AD"/>
-      </p:ext>
-    </p:extLst>
+    <p:extLst/>
   </p:cmAuthor>
 </p:cmAuthorLst>
 </file>
@@ -298,7 +296,7 @@
             <a:fld id="{49D55B5E-CB90-40E5-819A-CD463F939DE1}" type="datetimeFigureOut">
               <a:rPr lang="zh-CN" altLang="en-US" smtClean="0"/>
               <a:pPr/>
-              <a:t>2016/8/21</a:t>
+              <a:t>2017/8/4</a:t>
             </a:fld>
             <a:endParaRPr lang="zh-CN" altLang="en-US"/>
           </a:p>
@@ -1338,7 +1336,7 @@
             <a:fld id="{29FCF57C-29DB-49A2-B079-2A6D9B938D19}" type="slidenum">
               <a:rPr lang="zh-CN" altLang="en-US" smtClean="0"/>
               <a:pPr/>
-              <a:t>11</a:t>
+              <a:t>12</a:t>
             </a:fld>
             <a:endParaRPr lang="zh-CN" altLang="en-US"/>
           </a:p>
@@ -1392,7 +1390,7 @@
             <a:fld id="{6D09BEE0-B11E-4A85-9A06-19317B33BC8E}" type="datetimeFigureOut">
               <a:rPr lang="zh-CN" altLang="en-US" smtClean="0"/>
               <a:pPr/>
-              <a:t>2016/8/21</a:t>
+              <a:t>2017/8/4</a:t>
             </a:fld>
             <a:endParaRPr lang="zh-CN" altLang="en-US"/>
           </a:p>
@@ -1711,7 +1709,7 @@
             <a:fld id="{6D09BEE0-B11E-4A85-9A06-19317B33BC8E}" type="datetimeFigureOut">
               <a:rPr lang="zh-CN" altLang="en-US" smtClean="0"/>
               <a:pPr/>
-              <a:t>2016/8/21</a:t>
+              <a:t>2017/8/4</a:t>
             </a:fld>
             <a:endParaRPr lang="zh-CN" altLang="en-US"/>
           </a:p>
@@ -1888,7 +1886,7 @@
             <a:fld id="{6D09BEE0-B11E-4A85-9A06-19317B33BC8E}" type="datetimeFigureOut">
               <a:rPr lang="zh-CN" altLang="en-US" smtClean="0"/>
               <a:pPr/>
-              <a:t>2016/8/21</a:t>
+              <a:t>2017/8/4</a:t>
             </a:fld>
             <a:endParaRPr lang="zh-CN" altLang="en-US"/>
           </a:p>
@@ -2108,7 +2106,7 @@
             <a:fld id="{6D09BEE0-B11E-4A85-9A06-19317B33BC8E}" type="datetimeFigureOut">
               <a:rPr lang="zh-CN" altLang="en-US" smtClean="0"/>
               <a:pPr/>
-              <a:t>2016/8/21</a:t>
+              <a:t>2017/8/4</a:t>
             </a:fld>
             <a:endParaRPr lang="zh-CN" altLang="en-US"/>
           </a:p>
@@ -2459,7 +2457,7 @@
             <a:fld id="{6D09BEE0-B11E-4A85-9A06-19317B33BC8E}" type="datetimeFigureOut">
               <a:rPr lang="zh-CN" altLang="en-US" smtClean="0"/>
               <a:pPr/>
-              <a:t>2016/8/21</a:t>
+              <a:t>2017/8/4</a:t>
             </a:fld>
             <a:endParaRPr lang="zh-CN" altLang="en-US"/>
           </a:p>
@@ -2744,7 +2742,7 @@
             <a:fld id="{6D09BEE0-B11E-4A85-9A06-19317B33BC8E}" type="datetimeFigureOut">
               <a:rPr lang="zh-CN" altLang="en-US" smtClean="0"/>
               <a:pPr/>
-              <a:t>2016/8/21</a:t>
+              <a:t>2017/8/4</a:t>
             </a:fld>
             <a:endParaRPr lang="zh-CN" altLang="en-US"/>
           </a:p>
@@ -3163,7 +3161,7 @@
             <a:fld id="{6D09BEE0-B11E-4A85-9A06-19317B33BC8E}" type="datetimeFigureOut">
               <a:rPr lang="zh-CN" altLang="en-US" smtClean="0"/>
               <a:pPr/>
-              <a:t>2016/8/21</a:t>
+              <a:t>2017/8/4</a:t>
             </a:fld>
             <a:endParaRPr lang="zh-CN" altLang="en-US"/>
           </a:p>
@@ -3278,7 +3276,7 @@
             <a:fld id="{6D09BEE0-B11E-4A85-9A06-19317B33BC8E}" type="datetimeFigureOut">
               <a:rPr lang="zh-CN" altLang="en-US" smtClean="0"/>
               <a:pPr/>
-              <a:t>2016/8/21</a:t>
+              <a:t>2017/8/4</a:t>
             </a:fld>
             <a:endParaRPr lang="zh-CN" altLang="en-US"/>
           </a:p>
@@ -3370,7 +3368,7 @@
             <a:fld id="{6D09BEE0-B11E-4A85-9A06-19317B33BC8E}" type="datetimeFigureOut">
               <a:rPr lang="zh-CN" altLang="en-US" smtClean="0"/>
               <a:pPr/>
-              <a:t>2016/8/21</a:t>
+              <a:t>2017/8/4</a:t>
             </a:fld>
             <a:endParaRPr lang="zh-CN" altLang="en-US"/>
           </a:p>
@@ -3644,7 +3642,7 @@
             <a:fld id="{6D09BEE0-B11E-4A85-9A06-19317B33BC8E}" type="datetimeFigureOut">
               <a:rPr lang="zh-CN" altLang="en-US" smtClean="0"/>
               <a:pPr/>
-              <a:t>2016/8/21</a:t>
+              <a:t>2017/8/4</a:t>
             </a:fld>
             <a:endParaRPr lang="zh-CN" altLang="en-US"/>
           </a:p>
@@ -3894,7 +3892,7 @@
             <a:fld id="{6D09BEE0-B11E-4A85-9A06-19317B33BC8E}" type="datetimeFigureOut">
               <a:rPr lang="zh-CN" altLang="en-US" smtClean="0"/>
               <a:pPr/>
-              <a:t>2016/8/21</a:t>
+              <a:t>2017/8/4</a:t>
             </a:fld>
             <a:endParaRPr lang="zh-CN" altLang="en-US"/>
           </a:p>
@@ -4104,7 +4102,7 @@
             <a:fld id="{6D09BEE0-B11E-4A85-9A06-19317B33BC8E}" type="datetimeFigureOut">
               <a:rPr lang="zh-CN" altLang="en-US" smtClean="0"/>
               <a:pPr/>
-              <a:t>2016/8/21</a:t>
+              <a:t>2017/8/4</a:t>
             </a:fld>
             <a:endParaRPr lang="zh-CN" altLang="en-US"/>
           </a:p>
@@ -4639,8 +4637,8 @@
         </p:nvSpPr>
         <p:spPr bwMode="auto">
           <a:xfrm>
-            <a:off x="861492" y="3256458"/>
-            <a:ext cx="9144000" cy="0"/>
+            <a:off x="866769" y="2065784"/>
+            <a:ext cx="3538148" cy="2031325"/>
           </a:xfrm>
           <a:prstGeom prst="rect">
             <a:avLst/>
@@ -4838,34 +4836,7 @@
                 <a:latin typeface="微软雅黑" panose="020B0503020204020204" pitchFamily="34" charset="-122"/>
                 <a:ea typeface="微软雅黑" panose="020B0503020204020204" pitchFamily="34" charset="-122"/>
               </a:rPr>
-              <a:t/>
-            </a:r>
-            <a:br>
-              <a:rPr kumimoji="0" lang="zh-CN" altLang="zh-CN" sz="1000" b="0" i="0" u="none" strike="noStrike" cap="none" normalizeH="0" baseline="0" dirty="0" smtClean="0">
-                <a:ln>
-                  <a:noFill/>
-                </a:ln>
-                <a:solidFill>
-                  <a:srgbClr val="000000"/>
-                </a:solidFill>
-                <a:effectLst/>
-                <a:latin typeface="微软雅黑" panose="020B0503020204020204" pitchFamily="34" charset="-122"/>
-                <a:ea typeface="微软雅黑" panose="020B0503020204020204" pitchFamily="34" charset="-122"/>
-              </a:rPr>
-            </a:br>
-            <a:r>
-              <a:rPr kumimoji="0" lang="zh-CN" altLang="zh-CN" sz="1000" b="0" i="0" u="none" strike="noStrike" cap="none" normalizeH="0" baseline="0" dirty="0" smtClean="0">
-                <a:ln>
-                  <a:noFill/>
-                </a:ln>
-                <a:solidFill>
-                  <a:srgbClr val="000000"/>
-                </a:solidFill>
-                <a:effectLst/>
-                <a:latin typeface="微软雅黑" panose="020B0503020204020204" pitchFamily="34" charset="-122"/>
-                <a:ea typeface="微软雅黑" panose="020B0503020204020204" pitchFamily="34" charset="-122"/>
-              </a:rPr>
-              <a:t>    &lt;div class="ctn"&gt;</a:t>
+              <a:t>&lt;div class="ctn"&gt;</a:t>
             </a:r>
           </a:p>
           <a:p>
@@ -4897,10 +4868,20 @@
                 <a:latin typeface="微软雅黑" panose="020B0503020204020204" pitchFamily="34" charset="-122"/>
                 <a:ea typeface="微软雅黑" panose="020B0503020204020204" pitchFamily="34" charset="-122"/>
               </a:rPr>
-              <a:t>        &lt;span class="inner"&gt;</a:t>
-            </a:r>
-            <a:r>
-              <a:rPr kumimoji="0" lang="zh-CN" sz="1000" b="0" i="0" u="none" strike="noStrike" cap="none" normalizeH="0" baseline="0" dirty="0" smtClean="0">
+              <a:t>    &lt;span class="inner"&gt;</a:t>
+            </a:r>
+            <a:r>
+              <a:rPr lang="zh-CN" altLang="en-US" sz="1000" dirty="0" smtClean="0">
+                <a:solidFill>
+                  <a:srgbClr val="000000"/>
+                </a:solidFill>
+                <a:latin typeface="微软雅黑" panose="020B0503020204020204" pitchFamily="34" charset="-122"/>
+                <a:ea typeface="微软雅黑" panose="020B0503020204020204" pitchFamily="34" charset="-122"/>
+              </a:rPr>
+              <a:t>请点击这里</a:t>
+            </a:r>
+            <a:r>
+              <a:rPr kumimoji="0" lang="zh-CN" altLang="zh-CN" sz="1000" b="0" i="0" u="none" strike="noStrike" cap="none" normalizeH="0" baseline="0" dirty="0" smtClean="0">
                 <a:ln>
                   <a:noFill/>
                 </a:ln>
@@ -4911,21 +4892,7 @@
                 <a:latin typeface="微软雅黑" panose="020B0503020204020204" pitchFamily="34" charset="-122"/>
                 <a:ea typeface="微软雅黑" panose="020B0503020204020204" pitchFamily="34" charset="-122"/>
               </a:rPr>
-              <a:t>发撒法撒旦时发生仿盛大发送到发撒旦发</a:t>
-            </a:r>
-            <a:r>
-              <a:rPr kumimoji="0" lang="zh-CN" altLang="zh-CN" sz="1000" b="0" i="0" u="none" strike="noStrike" cap="none" normalizeH="0" baseline="0" dirty="0" smtClean="0">
-                <a:ln>
-                  <a:noFill/>
-                </a:ln>
-                <a:solidFill>
-                  <a:srgbClr val="000000"/>
-                </a:solidFill>
-                <a:effectLst/>
-                <a:latin typeface="微软雅黑" panose="020B0503020204020204" pitchFamily="34" charset="-122"/>
-                <a:ea typeface="微软雅黑" panose="020B0503020204020204" pitchFamily="34" charset="-122"/>
-              </a:rPr>
-              <a:t>fsdfafdsfsfsfasdfadsfasdfsdfassad</a:t>
+              <a:t>&lt;/span&gt;</a:t>
             </a:r>
           </a:p>
           <a:p>
@@ -4957,39 +4924,7 @@
                 <a:latin typeface="微软雅黑" panose="020B0503020204020204" pitchFamily="34" charset="-122"/>
                 <a:ea typeface="微软雅黑" panose="020B0503020204020204" pitchFamily="34" charset="-122"/>
               </a:rPr>
-              <a:t>        &lt;/span&gt;</a:t>
-            </a:r>
-          </a:p>
-          <a:p>
-            <a:pPr marL="0" marR="0" lvl="0" indent="0" algn="l" defTabSz="914400" rtl="0" eaLnBrk="0" fontAlgn="base" latinLnBrk="0" hangingPunct="0">
-              <a:lnSpc>
-                <a:spcPct val="100000"/>
-              </a:lnSpc>
-              <a:spcBef>
-                <a:spcPct val="0"/>
-              </a:spcBef>
-              <a:spcAft>
-                <a:spcPct val="0"/>
-              </a:spcAft>
-              <a:buClrTx/>
-              <a:buSzTx/>
-              <a:buFontTx/>
-              <a:buNone/>
-              <a:tabLst/>
-            </a:pPr>
-            <a:r>
-              <a:rPr kumimoji="0" lang="zh-CN" altLang="zh-CN" sz="1000" b="0" i="0" u="none" strike="noStrike" cap="none" normalizeH="0" baseline="0" dirty="0" smtClean="0">
-                <a:ln>
-                  <a:noFill/>
-                </a:ln>
-                <a:solidFill>
-                  <a:srgbClr val="000000"/>
-                </a:solidFill>
-                <a:effectLst/>
-                <a:latin typeface="微软雅黑" panose="020B0503020204020204" pitchFamily="34" charset="-122"/>
-                <a:ea typeface="微软雅黑" panose="020B0503020204020204" pitchFamily="34" charset="-122"/>
-              </a:rPr>
-              <a:t>    &lt;/div&gt;</a:t>
+              <a:t>&lt;/div&gt;</a:t>
             </a:r>
             <a:endParaRPr kumimoji="0" lang="zh-CN" altLang="zh-CN" sz="800" b="0" i="0" u="none" strike="noStrike" cap="none" normalizeH="0" baseline="0" dirty="0" smtClean="0">
               <a:ln>
@@ -5117,38 +5052,6 @@
                 <a:ea typeface="微软雅黑" panose="020B0503020204020204" pitchFamily="34" charset="-122"/>
               </a:rPr>
               <a:t>div.onclick = function (evt) {</a:t>
-            </a:r>
-          </a:p>
-          <a:p>
-            <a:pPr marL="0" marR="0" lvl="0" indent="0" algn="l" defTabSz="914400" rtl="0" eaLnBrk="0" fontAlgn="base" latinLnBrk="0" hangingPunct="0">
-              <a:lnSpc>
-                <a:spcPct val="100000"/>
-              </a:lnSpc>
-              <a:spcBef>
-                <a:spcPct val="0"/>
-              </a:spcBef>
-              <a:spcAft>
-                <a:spcPct val="0"/>
-              </a:spcAft>
-              <a:buClrTx/>
-              <a:buSzTx/>
-              <a:buFontTx/>
-              <a:buNone/>
-              <a:tabLst/>
-            </a:pPr>
-            <a:r>
-              <a:rPr kumimoji="0" lang="zh-CN" altLang="zh-CN" sz="1000" b="0" i="0" u="none" strike="noStrike" cap="none" normalizeH="0" baseline="0" dirty="0" smtClean="0">
-                <a:ln>
-                  <a:noFill/>
-                </a:ln>
-                <a:solidFill>
-                  <a:srgbClr val="000000"/>
-                </a:solidFill>
-                <a:effectLst/>
-                <a:latin typeface="微软雅黑" panose="020B0503020204020204" pitchFamily="34" charset="-122"/>
-                <a:ea typeface="微软雅黑" panose="020B0503020204020204" pitchFamily="34" charset="-122"/>
-              </a:rPr>
-              <a:t>    debugger;</a:t>
             </a:r>
           </a:p>
           <a:p>
@@ -5378,7 +5281,7 @@
         </p:blipFill>
         <p:spPr bwMode="auto">
           <a:xfrm>
-            <a:off x="899592" y="4293096"/>
+            <a:off x="755576" y="4293096"/>
             <a:ext cx="6753225" cy="1066800"/>
           </a:xfrm>
           <a:prstGeom prst="rect">
@@ -5398,20 +5301,684 @@
       </p:pic>
       <p:sp>
         <p:nvSpPr>
-          <p:cNvPr id="4" name="内容占位符 3"/>
-          <p:cNvSpPr>
-            <a:spLocks noGrp="1"/>
-          </p:cNvSpPr>
-          <p:nvPr>
-            <p:ph idx="1"/>
-          </p:nvPr>
-        </p:nvSpPr>
-        <p:spPr/>
-        <p:txBody>
-          <a:bodyPr/>
-          <a:lstStyle/>
-          <a:p>
-            <a:endParaRPr lang="zh-CN" altLang="en-US"/>
+          <p:cNvPr id="6" name="Rectangle 3"/>
+          <p:cNvSpPr>
+            <a:spLocks noChangeArrowheads="1"/>
+          </p:cNvSpPr>
+          <p:nvPr/>
+        </p:nvSpPr>
+        <p:spPr bwMode="auto">
+          <a:xfrm>
+            <a:off x="4644008" y="2247461"/>
+            <a:ext cx="3659976" cy="1631216"/>
+          </a:xfrm>
+          <a:prstGeom prst="rect">
+            <a:avLst/>
+          </a:prstGeom>
+          <a:solidFill>
+            <a:srgbClr val="FFFFFF"/>
+          </a:solidFill>
+          <a:ln>
+            <a:noFill/>
+          </a:ln>
+          <a:effectLst/>
+          <a:extLst>
+            <a:ext uri="{91240B29-F687-4F45-9708-019B960494DF}">
+              <a14:hiddenLine xmlns:a14="http://schemas.microsoft.com/office/drawing/2010/main" w="9525">
+                <a:solidFill>
+                  <a:schemeClr val="tx1"/>
+                </a:solidFill>
+                <a:miter lim="800000"/>
+                <a:headEnd/>
+                <a:tailEnd/>
+              </a14:hiddenLine>
+            </a:ext>
+            <a:ext uri="{AF507438-7753-43E0-B8FC-AC1667EBCBE1}">
+              <a14:hiddenEffects xmlns:a14="http://schemas.microsoft.com/office/drawing/2010/main">
+                <a:effectLst>
+                  <a:outerShdw dist="35921" dir="2700000" algn="ctr" rotWithShape="0">
+                    <a:schemeClr val="bg2"/>
+                  </a:outerShdw>
+                </a:effectLst>
+              </a14:hiddenEffects>
+            </a:ext>
+          </a:extLst>
+        </p:spPr>
+        <p:txBody>
+          <a:bodyPr vert="horz" wrap="none" lIns="91440" tIns="45720" rIns="91440" bIns="45720" numCol="1" anchor="ctr" anchorCtr="0" compatLnSpc="1">
+            <a:prstTxWarp prst="textNoShape">
+              <a:avLst/>
+            </a:prstTxWarp>
+            <a:spAutoFit/>
+          </a:bodyPr>
+          <a:lstStyle>
+            <a:lvl1pPr eaLnBrk="0" fontAlgn="base" hangingPunct="0">
+              <a:spcBef>
+                <a:spcPct val="0"/>
+              </a:spcBef>
+              <a:spcAft>
+                <a:spcPct val="0"/>
+              </a:spcAft>
+              <a:defRPr>
+                <a:solidFill>
+                  <a:schemeClr val="tx1"/>
+                </a:solidFill>
+                <a:latin typeface="Arial" panose="020B0604020202020204" pitchFamily="34" charset="0"/>
+              </a:defRPr>
+            </a:lvl1pPr>
+            <a:lvl2pPr eaLnBrk="0" fontAlgn="base" hangingPunct="0">
+              <a:spcBef>
+                <a:spcPct val="0"/>
+              </a:spcBef>
+              <a:spcAft>
+                <a:spcPct val="0"/>
+              </a:spcAft>
+              <a:defRPr>
+                <a:solidFill>
+                  <a:schemeClr val="tx1"/>
+                </a:solidFill>
+                <a:latin typeface="Arial" panose="020B0604020202020204" pitchFamily="34" charset="0"/>
+              </a:defRPr>
+            </a:lvl2pPr>
+            <a:lvl3pPr eaLnBrk="0" fontAlgn="base" hangingPunct="0">
+              <a:spcBef>
+                <a:spcPct val="0"/>
+              </a:spcBef>
+              <a:spcAft>
+                <a:spcPct val="0"/>
+              </a:spcAft>
+              <a:defRPr>
+                <a:solidFill>
+                  <a:schemeClr val="tx1"/>
+                </a:solidFill>
+                <a:latin typeface="Arial" panose="020B0604020202020204" pitchFamily="34" charset="0"/>
+              </a:defRPr>
+            </a:lvl3pPr>
+            <a:lvl4pPr eaLnBrk="0" fontAlgn="base" hangingPunct="0">
+              <a:spcBef>
+                <a:spcPct val="0"/>
+              </a:spcBef>
+              <a:spcAft>
+                <a:spcPct val="0"/>
+              </a:spcAft>
+              <a:defRPr>
+                <a:solidFill>
+                  <a:schemeClr val="tx1"/>
+                </a:solidFill>
+                <a:latin typeface="Arial" panose="020B0604020202020204" pitchFamily="34" charset="0"/>
+              </a:defRPr>
+            </a:lvl4pPr>
+            <a:lvl5pPr eaLnBrk="0" fontAlgn="base" hangingPunct="0">
+              <a:spcBef>
+                <a:spcPct val="0"/>
+              </a:spcBef>
+              <a:spcAft>
+                <a:spcPct val="0"/>
+              </a:spcAft>
+              <a:defRPr>
+                <a:solidFill>
+                  <a:schemeClr val="tx1"/>
+                </a:solidFill>
+                <a:latin typeface="Arial" panose="020B0604020202020204" pitchFamily="34" charset="0"/>
+              </a:defRPr>
+            </a:lvl5pPr>
+            <a:lvl6pPr eaLnBrk="0" fontAlgn="base" hangingPunct="0">
+              <a:spcBef>
+                <a:spcPct val="0"/>
+              </a:spcBef>
+              <a:spcAft>
+                <a:spcPct val="0"/>
+              </a:spcAft>
+              <a:defRPr>
+                <a:solidFill>
+                  <a:schemeClr val="tx1"/>
+                </a:solidFill>
+                <a:latin typeface="Arial" panose="020B0604020202020204" pitchFamily="34" charset="0"/>
+              </a:defRPr>
+            </a:lvl6pPr>
+            <a:lvl7pPr eaLnBrk="0" fontAlgn="base" hangingPunct="0">
+              <a:spcBef>
+                <a:spcPct val="0"/>
+              </a:spcBef>
+              <a:spcAft>
+                <a:spcPct val="0"/>
+              </a:spcAft>
+              <a:defRPr>
+                <a:solidFill>
+                  <a:schemeClr val="tx1"/>
+                </a:solidFill>
+                <a:latin typeface="Arial" panose="020B0604020202020204" pitchFamily="34" charset="0"/>
+              </a:defRPr>
+            </a:lvl7pPr>
+            <a:lvl8pPr eaLnBrk="0" fontAlgn="base" hangingPunct="0">
+              <a:spcBef>
+                <a:spcPct val="0"/>
+              </a:spcBef>
+              <a:spcAft>
+                <a:spcPct val="0"/>
+              </a:spcAft>
+              <a:defRPr>
+                <a:solidFill>
+                  <a:schemeClr val="tx1"/>
+                </a:solidFill>
+                <a:latin typeface="Arial" panose="020B0604020202020204" pitchFamily="34" charset="0"/>
+              </a:defRPr>
+            </a:lvl8pPr>
+            <a:lvl9pPr eaLnBrk="0" fontAlgn="base" hangingPunct="0">
+              <a:spcBef>
+                <a:spcPct val="0"/>
+              </a:spcBef>
+              <a:spcAft>
+                <a:spcPct val="0"/>
+              </a:spcAft>
+              <a:defRPr>
+                <a:solidFill>
+                  <a:schemeClr val="tx1"/>
+                </a:solidFill>
+                <a:latin typeface="Arial" panose="020B0604020202020204" pitchFamily="34" charset="0"/>
+              </a:defRPr>
+            </a:lvl9pPr>
+          </a:lstStyle>
+          <a:p>
+            <a:pPr lvl="0"/>
+            <a:r>
+              <a:rPr kumimoji="0" lang="zh-CN" altLang="en-US" sz="1000" b="0" i="0" u="none" strike="noStrike" cap="none" normalizeH="0" baseline="0" dirty="0" smtClean="0">
+                <a:ln>
+                  <a:noFill/>
+                </a:ln>
+                <a:solidFill>
+                  <a:srgbClr val="000000"/>
+                </a:solidFill>
+                <a:effectLst/>
+                <a:latin typeface="微软雅黑" panose="020B0503020204020204" pitchFamily="34" charset="-122"/>
+                <a:ea typeface="微软雅黑" panose="020B0503020204020204" pitchFamily="34" charset="-122"/>
+              </a:rPr>
+              <a:t>在控制连续输入以下</a:t>
+            </a:r>
+            <a:r>
+              <a:rPr lang="zh-CN" altLang="en-US" sz="1000" dirty="0">
+                <a:solidFill>
+                  <a:srgbClr val="000000"/>
+                </a:solidFill>
+                <a:latin typeface="微软雅黑" panose="020B0503020204020204" pitchFamily="34" charset="-122"/>
+                <a:ea typeface="微软雅黑" panose="020B0503020204020204" pitchFamily="34" charset="-122"/>
+              </a:rPr>
+              <a:t>代码</a:t>
+            </a:r>
+            <a:r>
+              <a:rPr lang="zh-CN" altLang="en-US" sz="1000" dirty="0" smtClean="0">
+                <a:solidFill>
+                  <a:srgbClr val="000000"/>
+                </a:solidFill>
+                <a:latin typeface="微软雅黑" panose="020B0503020204020204" pitchFamily="34" charset="-122"/>
+                <a:ea typeface="微软雅黑" panose="020B0503020204020204" pitchFamily="34" charset="-122"/>
+              </a:rPr>
+              <a:t>，按下 </a:t>
+            </a:r>
+            <a:r>
+              <a:rPr lang="en-US" altLang="zh-CN" sz="1000" dirty="0" smtClean="0">
+                <a:solidFill>
+                  <a:srgbClr val="000000"/>
+                </a:solidFill>
+                <a:latin typeface="微软雅黑" panose="020B0503020204020204" pitchFamily="34" charset="-122"/>
+                <a:ea typeface="微软雅黑" panose="020B0503020204020204" pitchFamily="34" charset="-122"/>
+              </a:rPr>
+              <a:t>enter</a:t>
+            </a:r>
+            <a:r>
+              <a:rPr lang="zh-CN" altLang="en-US" sz="1000" dirty="0" smtClean="0">
+                <a:solidFill>
+                  <a:srgbClr val="000000"/>
+                </a:solidFill>
+                <a:latin typeface="微软雅黑" panose="020B0503020204020204" pitchFamily="34" charset="-122"/>
+                <a:ea typeface="微软雅黑" panose="020B0503020204020204" pitchFamily="34" charset="-122"/>
+              </a:rPr>
+              <a:t> 查看</a:t>
+            </a:r>
+            <a:r>
+              <a:rPr lang="zh-CN" altLang="en-US" sz="1000" dirty="0">
+                <a:solidFill>
+                  <a:srgbClr val="000000"/>
+                </a:solidFill>
+                <a:latin typeface="微软雅黑" panose="020B0503020204020204" pitchFamily="34" charset="-122"/>
+                <a:ea typeface="微软雅黑" panose="020B0503020204020204" pitchFamily="34" charset="-122"/>
+              </a:rPr>
+              <a:t>打印出的对象的值</a:t>
+            </a:r>
+            <a:endParaRPr lang="en-US" altLang="zh-CN" sz="1000" dirty="0" smtClean="0">
+              <a:solidFill>
+                <a:srgbClr val="000000"/>
+              </a:solidFill>
+              <a:latin typeface="微软雅黑" panose="020B0503020204020204" pitchFamily="34" charset="-122"/>
+              <a:ea typeface="微软雅黑" panose="020B0503020204020204" pitchFamily="34" charset="-122"/>
+            </a:endParaRPr>
+          </a:p>
+          <a:p>
+            <a:pPr marL="0" marR="0" lvl="0" indent="0" algn="l" defTabSz="914400" rtl="0" eaLnBrk="0" fontAlgn="base" latinLnBrk="0" hangingPunct="0">
+              <a:lnSpc>
+                <a:spcPct val="100000"/>
+              </a:lnSpc>
+              <a:spcBef>
+                <a:spcPct val="0"/>
+              </a:spcBef>
+              <a:spcAft>
+                <a:spcPct val="0"/>
+              </a:spcAft>
+              <a:buClrTx/>
+              <a:buSzTx/>
+              <a:buFontTx/>
+              <a:buNone/>
+              <a:tabLst/>
+            </a:pPr>
+            <a:endParaRPr kumimoji="0" lang="en-US" altLang="zh-CN" sz="1000" b="0" i="0" u="none" strike="noStrike" cap="none" normalizeH="0" baseline="0" dirty="0">
+              <a:ln>
+                <a:noFill/>
+              </a:ln>
+              <a:solidFill>
+                <a:srgbClr val="000000"/>
+              </a:solidFill>
+              <a:effectLst/>
+              <a:latin typeface="微软雅黑" panose="020B0503020204020204" pitchFamily="34" charset="-122"/>
+              <a:ea typeface="微软雅黑" panose="020B0503020204020204" pitchFamily="34" charset="-122"/>
+            </a:endParaRPr>
+          </a:p>
+          <a:p>
+            <a:pPr lvl="0"/>
+            <a:r>
+              <a:rPr lang="en-US" altLang="zh-CN" sz="1000" dirty="0" err="1">
+                <a:solidFill>
+                  <a:srgbClr val="000000"/>
+                </a:solidFill>
+                <a:latin typeface="微软雅黑" panose="020B0503020204020204" pitchFamily="34" charset="-122"/>
+                <a:ea typeface="微软雅黑" panose="020B0503020204020204" pitchFamily="34" charset="-122"/>
+              </a:rPr>
+              <a:t>var</a:t>
+            </a:r>
+            <a:r>
+              <a:rPr lang="en-US" altLang="zh-CN" sz="1000" dirty="0">
+                <a:solidFill>
+                  <a:srgbClr val="000000"/>
+                </a:solidFill>
+                <a:latin typeface="微软雅黑" panose="020B0503020204020204" pitchFamily="34" charset="-122"/>
+                <a:ea typeface="微软雅黑" panose="020B0503020204020204" pitchFamily="34" charset="-122"/>
+              </a:rPr>
+              <a:t> a = </a:t>
+            </a:r>
+            <a:r>
+              <a:rPr lang="en-US" altLang="zh-CN" sz="1000" dirty="0" smtClean="0">
+                <a:solidFill>
+                  <a:srgbClr val="000000"/>
+                </a:solidFill>
+                <a:latin typeface="微软雅黑" panose="020B0503020204020204" pitchFamily="34" charset="-122"/>
+                <a:ea typeface="微软雅黑" panose="020B0503020204020204" pitchFamily="34" charset="-122"/>
+              </a:rPr>
+              <a:t>{}</a:t>
+            </a:r>
+          </a:p>
+          <a:p>
+            <a:pPr lvl="0"/>
+            <a:r>
+              <a:rPr lang="en-US" altLang="zh-CN" sz="1000" dirty="0" err="1" smtClean="0">
+                <a:solidFill>
+                  <a:srgbClr val="000000"/>
+                </a:solidFill>
+                <a:latin typeface="微软雅黑" panose="020B0503020204020204" pitchFamily="34" charset="-122"/>
+                <a:ea typeface="微软雅黑" panose="020B0503020204020204" pitchFamily="34" charset="-122"/>
+              </a:rPr>
+              <a:t>console.log</a:t>
+            </a:r>
+            <a:r>
+              <a:rPr lang="en-US" altLang="zh-CN" sz="1000" dirty="0" smtClean="0">
+                <a:solidFill>
+                  <a:srgbClr val="000000"/>
+                </a:solidFill>
+                <a:latin typeface="微软雅黑" panose="020B0503020204020204" pitchFamily="34" charset="-122"/>
+                <a:ea typeface="微软雅黑" panose="020B0503020204020204" pitchFamily="34" charset="-122"/>
+              </a:rPr>
+              <a:t>(a)</a:t>
+            </a:r>
+          </a:p>
+          <a:p>
+            <a:pPr lvl="0"/>
+            <a:r>
+              <a:rPr lang="en-US" altLang="zh-CN" sz="1000" dirty="0" err="1" smtClean="0">
+                <a:solidFill>
+                  <a:srgbClr val="000000"/>
+                </a:solidFill>
+                <a:latin typeface="微软雅黑" panose="020B0503020204020204" pitchFamily="34" charset="-122"/>
+                <a:ea typeface="微软雅黑" panose="020B0503020204020204" pitchFamily="34" charset="-122"/>
+              </a:rPr>
+              <a:t>a.x</a:t>
+            </a:r>
+            <a:r>
+              <a:rPr lang="en-US" altLang="zh-CN" sz="1000" dirty="0" smtClean="0">
+                <a:solidFill>
+                  <a:srgbClr val="000000"/>
+                </a:solidFill>
+                <a:latin typeface="微软雅黑" panose="020B0503020204020204" pitchFamily="34" charset="-122"/>
+                <a:ea typeface="微软雅黑" panose="020B0503020204020204" pitchFamily="34" charset="-122"/>
+              </a:rPr>
+              <a:t> </a:t>
+            </a:r>
+            <a:r>
+              <a:rPr lang="en-US" altLang="zh-CN" sz="1000" dirty="0">
+                <a:solidFill>
+                  <a:srgbClr val="000000"/>
+                </a:solidFill>
+                <a:latin typeface="微软雅黑" panose="020B0503020204020204" pitchFamily="34" charset="-122"/>
+                <a:ea typeface="微软雅黑" panose="020B0503020204020204" pitchFamily="34" charset="-122"/>
+              </a:rPr>
+              <a:t>= 2 </a:t>
+            </a:r>
+            <a:r>
+              <a:rPr kumimoji="0" lang="zh-CN" altLang="zh-CN" sz="1000" b="0" i="0" u="none" strike="noStrike" cap="none" normalizeH="0" baseline="0" dirty="0" smtClean="0">
+                <a:ln>
+                  <a:noFill/>
+                </a:ln>
+                <a:solidFill>
+                  <a:srgbClr val="000000"/>
+                </a:solidFill>
+                <a:effectLst/>
+                <a:latin typeface="微软雅黑" panose="020B0503020204020204" pitchFamily="34" charset="-122"/>
+                <a:ea typeface="微软雅黑" panose="020B0503020204020204" pitchFamily="34" charset="-122"/>
+              </a:rPr>
+              <a:t/>
+            </a:r>
+            <a:br>
+              <a:rPr kumimoji="0" lang="zh-CN" altLang="zh-CN" sz="1000" b="0" i="0" u="none" strike="noStrike" cap="none" normalizeH="0" baseline="0" dirty="0" smtClean="0">
+                <a:ln>
+                  <a:noFill/>
+                </a:ln>
+                <a:solidFill>
+                  <a:srgbClr val="000000"/>
+                </a:solidFill>
+                <a:effectLst/>
+                <a:latin typeface="微软雅黑" panose="020B0503020204020204" pitchFamily="34" charset="-122"/>
+                <a:ea typeface="微软雅黑" panose="020B0503020204020204" pitchFamily="34" charset="-122"/>
+              </a:rPr>
+            </a:br>
+            <a:endParaRPr kumimoji="0" lang="en-US" altLang="zh-CN" sz="1000" b="0" i="0" u="none" strike="noStrike" cap="none" normalizeH="0" baseline="0" dirty="0" smtClean="0">
+              <a:ln>
+                <a:noFill/>
+              </a:ln>
+              <a:solidFill>
+                <a:srgbClr val="000000"/>
+              </a:solidFill>
+              <a:effectLst/>
+              <a:latin typeface="微软雅黑" panose="020B0503020204020204" pitchFamily="34" charset="-122"/>
+              <a:ea typeface="微软雅黑" panose="020B0503020204020204" pitchFamily="34" charset="-122"/>
+            </a:endParaRPr>
+          </a:p>
+          <a:p>
+            <a:pPr lvl="0"/>
+            <a:endParaRPr lang="en-US" altLang="zh-CN" sz="1000" dirty="0">
+              <a:solidFill>
+                <a:srgbClr val="000000"/>
+              </a:solidFill>
+              <a:latin typeface="微软雅黑" panose="020B0503020204020204" pitchFamily="34" charset="-122"/>
+              <a:ea typeface="微软雅黑" panose="020B0503020204020204" pitchFamily="34" charset="-122"/>
+            </a:endParaRPr>
+          </a:p>
+          <a:p>
+            <a:pPr lvl="0"/>
+            <a:r>
+              <a:rPr kumimoji="0" lang="zh-CN" altLang="en-US" sz="1000" b="0" i="0" u="none" strike="noStrike" cap="none" normalizeH="0" baseline="0" dirty="0" smtClean="0">
+                <a:ln>
+                  <a:noFill/>
+                </a:ln>
+                <a:solidFill>
+                  <a:srgbClr val="000000"/>
+                </a:solidFill>
+                <a:effectLst/>
+                <a:latin typeface="微软雅黑" panose="020B0503020204020204" pitchFamily="34" charset="-122"/>
+                <a:ea typeface="微软雅黑" panose="020B0503020204020204" pitchFamily="34" charset="-122"/>
+              </a:rPr>
+              <a:t>结果发现，即使 </a:t>
+            </a:r>
+            <a:r>
+              <a:rPr kumimoji="0" lang="en-US" altLang="zh-CN" sz="1000" b="0" i="0" u="none" strike="noStrike" cap="none" normalizeH="0" baseline="0" dirty="0" err="1" smtClean="0">
+                <a:ln>
+                  <a:noFill/>
+                </a:ln>
+                <a:solidFill>
+                  <a:srgbClr val="000000"/>
+                </a:solidFill>
+                <a:effectLst/>
+                <a:latin typeface="微软雅黑" panose="020B0503020204020204" pitchFamily="34" charset="-122"/>
+                <a:ea typeface="微软雅黑" panose="020B0503020204020204" pitchFamily="34" charset="-122"/>
+              </a:rPr>
+              <a:t>console.log</a:t>
+            </a:r>
+            <a:r>
+              <a:rPr kumimoji="0" lang="en-US" altLang="zh-CN" sz="1000" b="0" i="0" u="none" strike="noStrike" cap="none" normalizeH="0" baseline="0" dirty="0" smtClean="0">
+                <a:ln>
+                  <a:noFill/>
+                </a:ln>
+                <a:solidFill>
+                  <a:srgbClr val="000000"/>
+                </a:solidFill>
+                <a:effectLst/>
+                <a:latin typeface="微软雅黑" panose="020B0503020204020204" pitchFamily="34" charset="-122"/>
+                <a:ea typeface="微软雅黑" panose="020B0503020204020204" pitchFamily="34" charset="-122"/>
+              </a:rPr>
+              <a:t>(a)</a:t>
+            </a:r>
+            <a:r>
+              <a:rPr kumimoji="0" lang="zh-CN" altLang="en-US" sz="1000" b="0" i="0" u="none" strike="noStrike" cap="none" normalizeH="0" baseline="0" dirty="0" smtClean="0">
+                <a:ln>
+                  <a:noFill/>
+                </a:ln>
+                <a:solidFill>
+                  <a:srgbClr val="000000"/>
+                </a:solidFill>
+                <a:effectLst/>
+                <a:latin typeface="微软雅黑" panose="020B0503020204020204" pitchFamily="34" charset="-122"/>
+                <a:ea typeface="微软雅黑" panose="020B0503020204020204" pitchFamily="34" charset="-122"/>
+              </a:rPr>
+              <a:t> </a:t>
+            </a:r>
+            <a:r>
+              <a:rPr lang="zh-CN" altLang="en-US" sz="1000" dirty="0" smtClean="0">
+                <a:solidFill>
+                  <a:srgbClr val="000000"/>
+                </a:solidFill>
+                <a:latin typeface="微软雅黑" panose="020B0503020204020204" pitchFamily="34" charset="-122"/>
+                <a:ea typeface="微软雅黑" panose="020B0503020204020204" pitchFamily="34" charset="-122"/>
+              </a:rPr>
+              <a:t>在前，</a:t>
+            </a:r>
+            <a:r>
+              <a:rPr lang="en-US" altLang="zh-CN" sz="1000" dirty="0" err="1" smtClean="0">
+                <a:solidFill>
+                  <a:srgbClr val="000000"/>
+                </a:solidFill>
+                <a:latin typeface="微软雅黑" panose="020B0503020204020204" pitchFamily="34" charset="-122"/>
+                <a:ea typeface="微软雅黑" panose="020B0503020204020204" pitchFamily="34" charset="-122"/>
+              </a:rPr>
+              <a:t>a.x</a:t>
+            </a:r>
+            <a:r>
+              <a:rPr lang="zh-CN" altLang="en-US" sz="1000" dirty="0" smtClean="0">
+                <a:solidFill>
+                  <a:srgbClr val="000000"/>
+                </a:solidFill>
+                <a:latin typeface="微软雅黑" panose="020B0503020204020204" pitchFamily="34" charset="-122"/>
+                <a:ea typeface="微软雅黑" panose="020B0503020204020204" pitchFamily="34" charset="-122"/>
+              </a:rPr>
+              <a:t> </a:t>
+            </a:r>
+            <a:r>
+              <a:rPr lang="en-US" altLang="zh-CN" sz="1000" dirty="0" smtClean="0">
+                <a:solidFill>
+                  <a:srgbClr val="000000"/>
+                </a:solidFill>
+                <a:latin typeface="微软雅黑" panose="020B0503020204020204" pitchFamily="34" charset="-122"/>
+                <a:ea typeface="微软雅黑" panose="020B0503020204020204" pitchFamily="34" charset="-122"/>
+              </a:rPr>
+              <a:t>=</a:t>
+            </a:r>
+            <a:r>
+              <a:rPr lang="zh-CN" altLang="en-US" sz="1000" dirty="0" smtClean="0">
+                <a:solidFill>
+                  <a:srgbClr val="000000"/>
+                </a:solidFill>
+                <a:latin typeface="微软雅黑" panose="020B0503020204020204" pitchFamily="34" charset="-122"/>
+                <a:ea typeface="微软雅黑" panose="020B0503020204020204" pitchFamily="34" charset="-122"/>
+              </a:rPr>
+              <a:t> </a:t>
+            </a:r>
+            <a:r>
+              <a:rPr lang="en-US" altLang="zh-CN" sz="1000" dirty="0" smtClean="0">
+                <a:solidFill>
+                  <a:srgbClr val="000000"/>
+                </a:solidFill>
+                <a:latin typeface="微软雅黑" panose="020B0503020204020204" pitchFamily="34" charset="-122"/>
+                <a:ea typeface="微软雅黑" panose="020B0503020204020204" pitchFamily="34" charset="-122"/>
+              </a:rPr>
+              <a:t>2</a:t>
+            </a:r>
+            <a:r>
+              <a:rPr lang="zh-CN" altLang="en-US" sz="1000" dirty="0" smtClean="0">
+                <a:solidFill>
+                  <a:srgbClr val="000000"/>
+                </a:solidFill>
+                <a:latin typeface="微软雅黑" panose="020B0503020204020204" pitchFamily="34" charset="-122"/>
+                <a:ea typeface="微软雅黑" panose="020B0503020204020204" pitchFamily="34" charset="-122"/>
+              </a:rPr>
+              <a:t> 赋值在后，</a:t>
+            </a:r>
+            <a:endParaRPr lang="en-US" altLang="zh-CN" sz="1000" dirty="0" smtClean="0">
+              <a:solidFill>
+                <a:srgbClr val="000000"/>
+              </a:solidFill>
+              <a:latin typeface="微软雅黑" panose="020B0503020204020204" pitchFamily="34" charset="-122"/>
+              <a:ea typeface="微软雅黑" panose="020B0503020204020204" pitchFamily="34" charset="-122"/>
+            </a:endParaRPr>
+          </a:p>
+          <a:p>
+            <a:pPr lvl="0"/>
+            <a:r>
+              <a:rPr lang="zh-CN" altLang="en-US" sz="1000" dirty="0" smtClean="0">
+                <a:solidFill>
+                  <a:srgbClr val="000000"/>
+                </a:solidFill>
+                <a:latin typeface="微软雅黑" panose="020B0503020204020204" pitchFamily="34" charset="-122"/>
+                <a:ea typeface="微软雅黑" panose="020B0503020204020204" pitchFamily="34" charset="-122"/>
+              </a:rPr>
+              <a:t>但是展开打印出来的 </a:t>
+            </a:r>
+            <a:r>
+              <a:rPr lang="en-US" altLang="zh-CN" sz="1000" dirty="0" err="1" smtClean="0">
+                <a:solidFill>
+                  <a:srgbClr val="000000"/>
+                </a:solidFill>
+                <a:latin typeface="微软雅黑" panose="020B0503020204020204" pitchFamily="34" charset="-122"/>
+                <a:ea typeface="微软雅黑" panose="020B0503020204020204" pitchFamily="34" charset="-122"/>
+              </a:rPr>
+              <a:t>Obejct</a:t>
+            </a:r>
+            <a:r>
+              <a:rPr lang="zh-CN" altLang="en-US" sz="1000" dirty="0" smtClean="0">
+                <a:solidFill>
+                  <a:srgbClr val="000000"/>
+                </a:solidFill>
+                <a:latin typeface="微软雅黑" panose="020B0503020204020204" pitchFamily="34" charset="-122"/>
+                <a:ea typeface="微软雅黑" panose="020B0503020204020204" pitchFamily="34" charset="-122"/>
+              </a:rPr>
+              <a:t>，发现仍然有 </a:t>
+            </a:r>
+            <a:r>
+              <a:rPr lang="en-US" altLang="zh-CN" sz="1000" dirty="0" smtClean="0">
+                <a:solidFill>
+                  <a:srgbClr val="000000"/>
+                </a:solidFill>
+                <a:latin typeface="微软雅黑" panose="020B0503020204020204" pitchFamily="34" charset="-122"/>
+                <a:ea typeface="微软雅黑" panose="020B0503020204020204" pitchFamily="34" charset="-122"/>
+              </a:rPr>
+              <a:t>x:</a:t>
+            </a:r>
+            <a:r>
+              <a:rPr lang="zh-CN" altLang="en-US" sz="1000" dirty="0" smtClean="0">
+                <a:solidFill>
+                  <a:srgbClr val="000000"/>
+                </a:solidFill>
+                <a:latin typeface="微软雅黑" panose="020B0503020204020204" pitchFamily="34" charset="-122"/>
+                <a:ea typeface="微软雅黑" panose="020B0503020204020204" pitchFamily="34" charset="-122"/>
+              </a:rPr>
+              <a:t> </a:t>
+            </a:r>
+            <a:r>
+              <a:rPr lang="en-US" altLang="zh-CN" sz="1000" dirty="0" smtClean="0">
+                <a:solidFill>
+                  <a:srgbClr val="000000"/>
+                </a:solidFill>
+                <a:latin typeface="微软雅黑" panose="020B0503020204020204" pitchFamily="34" charset="-122"/>
+                <a:ea typeface="微软雅黑" panose="020B0503020204020204" pitchFamily="34" charset="-122"/>
+              </a:rPr>
+              <a:t>2</a:t>
+            </a:r>
+            <a:r>
+              <a:rPr lang="zh-CN" altLang="en-US" sz="1000" dirty="0" smtClean="0">
+                <a:solidFill>
+                  <a:srgbClr val="000000"/>
+                </a:solidFill>
+                <a:latin typeface="微软雅黑" panose="020B0503020204020204" pitchFamily="34" charset="-122"/>
+                <a:ea typeface="微软雅黑" panose="020B0503020204020204" pitchFamily="34" charset="-122"/>
+              </a:rPr>
+              <a:t> </a:t>
+            </a:r>
+            <a:endParaRPr kumimoji="0" lang="zh-CN" altLang="zh-CN" sz="800" b="0" i="0" u="none" strike="noStrike" cap="none" normalizeH="0" baseline="0" dirty="0" smtClean="0">
+              <a:ln>
+                <a:noFill/>
+              </a:ln>
+              <a:solidFill>
+                <a:schemeClr val="tx1"/>
+              </a:solidFill>
+              <a:effectLst/>
+            </a:endParaRPr>
+          </a:p>
+          <a:p>
+            <a:pPr marL="0" marR="0" lvl="0" indent="0" algn="l" defTabSz="914400" rtl="0" eaLnBrk="0" fontAlgn="base" latinLnBrk="0" hangingPunct="0">
+              <a:lnSpc>
+                <a:spcPct val="100000"/>
+              </a:lnSpc>
+              <a:spcBef>
+                <a:spcPct val="0"/>
+              </a:spcBef>
+              <a:spcAft>
+                <a:spcPct val="0"/>
+              </a:spcAft>
+              <a:buClrTx/>
+              <a:buSzTx/>
+              <a:buFontTx/>
+              <a:buNone/>
+              <a:tabLst/>
+            </a:pPr>
+            <a:r>
+              <a:rPr kumimoji="0" lang="zh-CN" altLang="zh-CN" sz="1000" b="0" i="0" u="none" strike="noStrike" cap="none" normalizeH="0" baseline="0" dirty="0" smtClean="0">
+                <a:ln>
+                  <a:noFill/>
+                </a:ln>
+                <a:solidFill>
+                  <a:srgbClr val="000000"/>
+                </a:solidFill>
+                <a:effectLst/>
+                <a:latin typeface="微软雅黑" panose="020B0503020204020204" pitchFamily="34" charset="-122"/>
+                <a:ea typeface="微软雅黑" panose="020B0503020204020204" pitchFamily="34" charset="-122"/>
+              </a:rPr>
+              <a:t>  </a:t>
+            </a:r>
+            <a:endParaRPr kumimoji="0" lang="zh-CN" altLang="zh-CN" sz="6700" b="0" i="0" u="none" strike="noStrike" cap="none" normalizeH="0" baseline="0" dirty="0" smtClean="0">
+              <a:ln>
+                <a:noFill/>
+              </a:ln>
+              <a:solidFill>
+                <a:srgbClr val="000000"/>
+              </a:solidFill>
+              <a:effectLst/>
+              <a:latin typeface="微软雅黑" panose="020B0503020204020204" pitchFamily="34" charset="-122"/>
+              <a:ea typeface="微软雅黑" panose="020B0503020204020204" pitchFamily="34" charset="-122"/>
+            </a:endParaRPr>
           </a:p>
         </p:txBody>
       </p:sp>
@@ -5419,6 +5986,365 @@
     <p:extLst>
       <p:ext uri="{BB962C8B-B14F-4D97-AF65-F5344CB8AC3E}">
         <p14:creationId xmlns:p14="http://schemas.microsoft.com/office/powerpoint/2010/main" val="4108002431"/>
+      </p:ext>
+    </p:extLst>
+  </p:cSld>
+  <p:clrMapOvr>
+    <a:masterClrMapping/>
+  </p:clrMapOvr>
+  <p:timing>
+    <p:tnLst>
+      <p:par>
+        <p:cTn id="1" dur="indefinite" restart="never" nodeType="tmRoot">
+          <p:childTnLst>
+            <p:seq concurrent="1" nextAc="seek">
+              <p:cTn id="2" dur="indefinite" nodeType="mainSeq">
+                <p:childTnLst>
+                  <p:par>
+                    <p:cTn id="3" fill="hold">
+                      <p:stCondLst>
+                        <p:cond delay="indefinite"/>
+                      </p:stCondLst>
+                      <p:childTnLst>
+                        <p:par>
+                          <p:cTn id="4" fill="hold">
+                            <p:stCondLst>
+                              <p:cond delay="0"/>
+                            </p:stCondLst>
+                            <p:childTnLst>
+                              <p:par>
+                                <p:cTn id="5" presetID="1" presetClass="entr" presetSubtype="0" fill="hold" nodeType="clickEffect">
+                                  <p:stCondLst>
+                                    <p:cond delay="0"/>
+                                  </p:stCondLst>
+                                  <p:childTnLst>
+                                    <p:set>
+                                      <p:cBhvr>
+                                        <p:cTn id="6" dur="1" fill="hold">
+                                          <p:stCondLst>
+                                            <p:cond delay="0"/>
+                                          </p:stCondLst>
+                                        </p:cTn>
+                                        <p:tgtEl>
+                                          <p:spTgt spid="1028"/>
+                                        </p:tgtEl>
+                                        <p:attrNameLst>
+                                          <p:attrName>style.visibility</p:attrName>
+                                        </p:attrNameLst>
+                                      </p:cBhvr>
+                                      <p:to>
+                                        <p:strVal val="visible"/>
+                                      </p:to>
+                                    </p:set>
+                                  </p:childTnLst>
+                                </p:cTn>
+                              </p:par>
+                            </p:childTnLst>
+                          </p:cTn>
+                        </p:par>
+                      </p:childTnLst>
+                    </p:cTn>
+                  </p:par>
+                  <p:par>
+                    <p:cTn id="7" fill="hold">
+                      <p:stCondLst>
+                        <p:cond delay="indefinite"/>
+                      </p:stCondLst>
+                      <p:childTnLst>
+                        <p:par>
+                          <p:cTn id="8" fill="hold">
+                            <p:stCondLst>
+                              <p:cond delay="0"/>
+                            </p:stCondLst>
+                            <p:childTnLst>
+                              <p:par>
+                                <p:cTn id="9" presetID="1" presetClass="entr" presetSubtype="0" fill="hold" grpId="0" nodeType="clickEffect">
+                                  <p:stCondLst>
+                                    <p:cond delay="0"/>
+                                  </p:stCondLst>
+                                  <p:childTnLst>
+                                    <p:set>
+                                      <p:cBhvr>
+                                        <p:cTn id="10" dur="1" fill="hold">
+                                          <p:stCondLst>
+                                            <p:cond delay="0"/>
+                                          </p:stCondLst>
+                                        </p:cTn>
+                                        <p:tgtEl>
+                                          <p:spTgt spid="6"/>
+                                        </p:tgtEl>
+                                        <p:attrNameLst>
+                                          <p:attrName>style.visibility</p:attrName>
+                                        </p:attrNameLst>
+                                      </p:cBhvr>
+                                      <p:to>
+                                        <p:strVal val="visible"/>
+                                      </p:to>
+                                    </p:set>
+                                  </p:childTnLst>
+                                </p:cTn>
+                              </p:par>
+                            </p:childTnLst>
+                          </p:cTn>
+                        </p:par>
+                      </p:childTnLst>
+                    </p:cTn>
+                  </p:par>
+                </p:childTnLst>
+              </p:cTn>
+              <p:prevCondLst>
+                <p:cond evt="onPrev" delay="0">
+                  <p:tgtEl>
+                    <p:sldTgt/>
+                  </p:tgtEl>
+                </p:cond>
+              </p:prevCondLst>
+              <p:nextCondLst>
+                <p:cond evt="onNext" delay="0">
+                  <p:tgtEl>
+                    <p:sldTgt/>
+                  </p:tgtEl>
+                </p:cond>
+              </p:nextCondLst>
+            </p:seq>
+          </p:childTnLst>
+        </p:cTn>
+      </p:par>
+    </p:tnLst>
+    <p:bldLst>
+      <p:bldP spid="6" grpId="0" animBg="1"/>
+    </p:bldLst>
+  </p:timing>
+</p:sld>
+</file>
+
+<file path=ppt/slides/slide11.xml><?xml version="1.0" encoding="utf-8"?>
+<p:sld xmlns:a="http://schemas.openxmlformats.org/drawingml/2006/main" xmlns:r="http://schemas.openxmlformats.org/officeDocument/2006/relationships" xmlns:p="http://schemas.openxmlformats.org/presentationml/2006/main">
+  <p:cSld>
+    <p:spTree>
+      <p:nvGrpSpPr>
+        <p:cNvPr id="1" name=""/>
+        <p:cNvGrpSpPr/>
+        <p:nvPr/>
+      </p:nvGrpSpPr>
+      <p:grpSpPr>
+        <a:xfrm>
+          <a:off x="0" y="0"/>
+          <a:ext cx="0" cy="0"/>
+          <a:chOff x="0" y="0"/>
+          <a:chExt cx="0" cy="0"/>
+        </a:xfrm>
+      </p:grpSpPr>
+      <p:sp>
+        <p:nvSpPr>
+          <p:cNvPr id="2" name="标题 1"/>
+          <p:cNvSpPr>
+            <a:spLocks noGrp="1"/>
+          </p:cNvSpPr>
+          <p:nvPr>
+            <p:ph type="title"/>
+          </p:nvPr>
+        </p:nvSpPr>
+        <p:spPr/>
+        <p:txBody>
+          <a:bodyPr/>
+          <a:lstStyle/>
+          <a:p>
+            <a:r>
+              <a:rPr lang="en-US" altLang="zh-CN" dirty="0" err="1" smtClean="0"/>
+              <a:t>console.log</a:t>
+            </a:r>
+            <a:r>
+              <a:rPr lang="zh-CN" altLang="en-US" dirty="0"/>
+              <a:t> </a:t>
+            </a:r>
+            <a:r>
+              <a:rPr lang="zh-CN" altLang="en-US" dirty="0" smtClean="0"/>
+              <a:t>疑问</a:t>
+            </a:r>
+            <a:endParaRPr lang="zh-CN" altLang="en-US" dirty="0"/>
+          </a:p>
+        </p:txBody>
+      </p:sp>
+      <p:sp>
+        <p:nvSpPr>
+          <p:cNvPr id="3" name="文本框 2"/>
+          <p:cNvSpPr txBox="1"/>
+          <p:nvPr/>
+        </p:nvSpPr>
+        <p:spPr>
+          <a:xfrm>
+            <a:off x="1378433" y="5085184"/>
+            <a:ext cx="6387133" cy="923330"/>
+          </a:xfrm>
+          <a:prstGeom prst="rect">
+            <a:avLst/>
+          </a:prstGeom>
+          <a:noFill/>
+        </p:spPr>
+        <p:txBody>
+          <a:bodyPr wrap="none" rtlCol="0">
+            <a:spAutoFit/>
+          </a:bodyPr>
+          <a:lstStyle/>
+          <a:p>
+            <a:r>
+              <a:rPr kumimoji="1" lang="zh-CN" altLang="en-US" dirty="0"/>
+              <a:t>第一个图</a:t>
+            </a:r>
+            <a:r>
+              <a:rPr kumimoji="1" lang="zh-CN" altLang="en-US" dirty="0" smtClean="0"/>
+              <a:t>，是</a:t>
+            </a:r>
+            <a:r>
+              <a:rPr kumimoji="1" lang="zh-CN" altLang="en-US" dirty="0"/>
+              <a:t>在输入 </a:t>
+            </a:r>
+            <a:r>
+              <a:rPr kumimoji="1" lang="en-US" altLang="zh-CN" dirty="0" err="1"/>
+              <a:t>a.x</a:t>
+            </a:r>
+            <a:r>
+              <a:rPr kumimoji="1" lang="en-US" altLang="zh-CN" dirty="0"/>
+              <a:t> = 2 </a:t>
+            </a:r>
+            <a:r>
+              <a:rPr kumimoji="1" lang="zh-CN" altLang="en-US" dirty="0"/>
+              <a:t>之后按 </a:t>
+            </a:r>
+            <a:r>
+              <a:rPr kumimoji="1" lang="en-US" altLang="zh-CN" dirty="0"/>
+              <a:t>enter </a:t>
+            </a:r>
+            <a:r>
+              <a:rPr kumimoji="1" lang="zh-CN" altLang="en-US" dirty="0"/>
+              <a:t>后去展开 </a:t>
+            </a:r>
+            <a:r>
+              <a:rPr kumimoji="1" lang="en-US" altLang="zh-CN" dirty="0"/>
+              <a:t>Object </a:t>
+            </a:r>
+            <a:r>
+              <a:rPr kumimoji="1" lang="zh-CN" altLang="en-US" dirty="0" smtClean="0"/>
+              <a:t>的。</a:t>
+            </a:r>
+            <a:endParaRPr kumimoji="1" lang="en-US" altLang="zh-CN" dirty="0" smtClean="0"/>
+          </a:p>
+          <a:p>
+            <a:r>
+              <a:rPr kumimoji="1" lang="zh-CN" altLang="en-US" dirty="0" smtClean="0"/>
+              <a:t>第二</a:t>
+            </a:r>
+            <a:r>
+              <a:rPr kumimoji="1" lang="zh-CN" altLang="en-US" dirty="0"/>
+              <a:t>个图</a:t>
+            </a:r>
+            <a:r>
+              <a:rPr kumimoji="1" lang="zh-CN" altLang="en-US" dirty="0" smtClean="0"/>
+              <a:t>，是</a:t>
+            </a:r>
+            <a:r>
+              <a:rPr kumimoji="1" lang="zh-CN" altLang="en-US" dirty="0"/>
+              <a:t>在输入 </a:t>
+            </a:r>
+            <a:r>
+              <a:rPr kumimoji="1" lang="en-US" altLang="zh-CN" dirty="0" err="1"/>
+              <a:t>a.x</a:t>
+            </a:r>
+            <a:r>
+              <a:rPr kumimoji="1" lang="en-US" altLang="zh-CN" dirty="0"/>
+              <a:t> = 2 </a:t>
+            </a:r>
+            <a:r>
+              <a:rPr kumimoji="1" lang="zh-CN" altLang="en-US" dirty="0"/>
+              <a:t>之前先去展开 </a:t>
+            </a:r>
+            <a:r>
+              <a:rPr kumimoji="1" lang="en-US" altLang="zh-CN" dirty="0"/>
+              <a:t>Object </a:t>
+            </a:r>
+            <a:r>
+              <a:rPr kumimoji="1" lang="zh-CN" altLang="en-US" dirty="0" smtClean="0"/>
+              <a:t>的。</a:t>
+            </a:r>
+            <a:endParaRPr kumimoji="1" lang="en-US" altLang="zh-CN" dirty="0" smtClean="0"/>
+          </a:p>
+          <a:p>
+            <a:r>
+              <a:rPr kumimoji="1" lang="zh-CN" altLang="en-US" dirty="0" smtClean="0"/>
+              <a:t>结果</a:t>
+            </a:r>
+            <a:r>
+              <a:rPr kumimoji="1" lang="zh-CN" altLang="en-US" dirty="0"/>
+              <a:t>不一样！！</a:t>
+            </a:r>
+          </a:p>
+        </p:txBody>
+      </p:sp>
+      <p:pic>
+        <p:nvPicPr>
+          <p:cNvPr id="4" name="图片 3"/>
+          <p:cNvPicPr>
+            <a:picLocks noChangeAspect="1"/>
+          </p:cNvPicPr>
+          <p:nvPr/>
+        </p:nvPicPr>
+        <p:blipFill>
+          <a:blip r:embed="rId2">
+            <a:extLst>
+              <a:ext uri="{28A0092B-C50C-407E-A947-70E740481C1C}">
+                <a14:useLocalDpi xmlns:a14="http://schemas.microsoft.com/office/drawing/2010/main" val="0"/>
+              </a:ext>
+            </a:extLst>
+          </a:blip>
+          <a:stretch>
+            <a:fillRect/>
+          </a:stretch>
+        </p:blipFill>
+        <p:spPr>
+          <a:xfrm>
+            <a:off x="1407838" y="2156240"/>
+            <a:ext cx="2400300" cy="2120900"/>
+          </a:xfrm>
+          <a:prstGeom prst="rect">
+            <a:avLst/>
+          </a:prstGeom>
+        </p:spPr>
+      </p:pic>
+      <p:pic>
+        <p:nvPicPr>
+          <p:cNvPr id="7" name="图片 6"/>
+          <p:cNvPicPr>
+            <a:picLocks noChangeAspect="1"/>
+          </p:cNvPicPr>
+          <p:nvPr/>
+        </p:nvPicPr>
+        <p:blipFill>
+          <a:blip r:embed="rId3">
+            <a:extLst>
+              <a:ext uri="{28A0092B-C50C-407E-A947-70E740481C1C}">
+                <a14:useLocalDpi xmlns:a14="http://schemas.microsoft.com/office/drawing/2010/main" val="0"/>
+              </a:ext>
+            </a:extLst>
+          </a:blip>
+          <a:stretch>
+            <a:fillRect/>
+          </a:stretch>
+        </p:blipFill>
+        <p:spPr>
+          <a:xfrm>
+            <a:off x="4571999" y="2139852"/>
+            <a:ext cx="2260600" cy="2095500"/>
+          </a:xfrm>
+          <a:prstGeom prst="rect">
+            <a:avLst/>
+          </a:prstGeom>
+        </p:spPr>
+      </p:pic>
+    </p:spTree>
+    <p:extLst>
+      <p:ext uri="{BB962C8B-B14F-4D97-AF65-F5344CB8AC3E}">
+        <p14:creationId xmlns:p14="http://schemas.microsoft.com/office/powerpoint/2010/main" val="554483376"/>
       </p:ext>
     </p:extLst>
   </p:cSld>
@@ -5435,7 +6361,7 @@
 </p:sld>
 </file>
 
-<file path=ppt/slides/slide11.xml><?xml version="1.0" encoding="utf-8"?>
+<file path=ppt/slides/slide12.xml><?xml version="1.0" encoding="utf-8"?>
 <p:sld xmlns:a="http://schemas.openxmlformats.org/drawingml/2006/main" xmlns:r="http://schemas.openxmlformats.org/officeDocument/2006/relationships" xmlns:p="http://schemas.openxmlformats.org/presentationml/2006/main">
   <p:cSld>
     <p:spTree>
